--- a/מערכת לניהול כרטיסים נטענים בחנויות רבות.pptx
+++ b/מערכת לניהול כרטיסים נטענים בחנויות רבות.pptx
@@ -244,7 +244,7 @@
           <a:p>
             <a:fld id="{021EFE3D-704E-4972-8057-8D0D2BDEDDA6}" type="datetimeFigureOut">
               <a:rPr lang="he-IL" smtClean="0"/>
-              <a:t>כ"ח/תשרי/תשפ"ה</a:t>
+              <a:t>כ"ח/כסלו/תשפ"ה</a:t>
             </a:fld>
             <a:endParaRPr lang="he-IL"/>
           </a:p>
@@ -414,7 +414,7 @@
           <a:p>
             <a:fld id="{021EFE3D-704E-4972-8057-8D0D2BDEDDA6}" type="datetimeFigureOut">
               <a:rPr lang="he-IL" smtClean="0"/>
-              <a:t>כ"ח/תשרי/תשפ"ה</a:t>
+              <a:t>כ"ח/כסלו/תשפ"ה</a:t>
             </a:fld>
             <a:endParaRPr lang="he-IL"/>
           </a:p>
@@ -594,7 +594,7 @@
           <a:p>
             <a:fld id="{021EFE3D-704E-4972-8057-8D0D2BDEDDA6}" type="datetimeFigureOut">
               <a:rPr lang="he-IL" smtClean="0"/>
-              <a:t>כ"ח/תשרי/תשפ"ה</a:t>
+              <a:t>כ"ח/כסלו/תשפ"ה</a:t>
             </a:fld>
             <a:endParaRPr lang="he-IL"/>
           </a:p>
@@ -764,7 +764,7 @@
           <a:p>
             <a:fld id="{021EFE3D-704E-4972-8057-8D0D2BDEDDA6}" type="datetimeFigureOut">
               <a:rPr lang="he-IL" smtClean="0"/>
-              <a:t>כ"ח/תשרי/תשפ"ה</a:t>
+              <a:t>כ"ח/כסלו/תשפ"ה</a:t>
             </a:fld>
             <a:endParaRPr lang="he-IL"/>
           </a:p>
@@ -1010,7 +1010,7 @@
           <a:p>
             <a:fld id="{021EFE3D-704E-4972-8057-8D0D2BDEDDA6}" type="datetimeFigureOut">
               <a:rPr lang="he-IL" smtClean="0"/>
-              <a:t>כ"ח/תשרי/תשפ"ה</a:t>
+              <a:t>כ"ח/כסלו/תשפ"ה</a:t>
             </a:fld>
             <a:endParaRPr lang="he-IL"/>
           </a:p>
@@ -1242,7 +1242,7 @@
           <a:p>
             <a:fld id="{021EFE3D-704E-4972-8057-8D0D2BDEDDA6}" type="datetimeFigureOut">
               <a:rPr lang="he-IL" smtClean="0"/>
-              <a:t>כ"ח/תשרי/תשפ"ה</a:t>
+              <a:t>כ"ח/כסלו/תשפ"ה</a:t>
             </a:fld>
             <a:endParaRPr lang="he-IL"/>
           </a:p>
@@ -1609,7 +1609,7 @@
           <a:p>
             <a:fld id="{021EFE3D-704E-4972-8057-8D0D2BDEDDA6}" type="datetimeFigureOut">
               <a:rPr lang="he-IL" smtClean="0"/>
-              <a:t>כ"ח/תשרי/תשפ"ה</a:t>
+              <a:t>כ"ח/כסלו/תשפ"ה</a:t>
             </a:fld>
             <a:endParaRPr lang="he-IL"/>
           </a:p>
@@ -1727,7 +1727,7 @@
           <a:p>
             <a:fld id="{021EFE3D-704E-4972-8057-8D0D2BDEDDA6}" type="datetimeFigureOut">
               <a:rPr lang="he-IL" smtClean="0"/>
-              <a:t>כ"ח/תשרי/תשפ"ה</a:t>
+              <a:t>כ"ח/כסלו/תשפ"ה</a:t>
             </a:fld>
             <a:endParaRPr lang="he-IL"/>
           </a:p>
@@ -1822,7 +1822,7 @@
           <a:p>
             <a:fld id="{021EFE3D-704E-4972-8057-8D0D2BDEDDA6}" type="datetimeFigureOut">
               <a:rPr lang="he-IL" smtClean="0"/>
-              <a:t>כ"ח/תשרי/תשפ"ה</a:t>
+              <a:t>כ"ח/כסלו/תשפ"ה</a:t>
             </a:fld>
             <a:endParaRPr lang="he-IL"/>
           </a:p>
@@ -2099,7 +2099,7 @@
           <a:p>
             <a:fld id="{021EFE3D-704E-4972-8057-8D0D2BDEDDA6}" type="datetimeFigureOut">
               <a:rPr lang="he-IL" smtClean="0"/>
-              <a:t>כ"ח/תשרי/תשפ"ה</a:t>
+              <a:t>כ"ח/כסלו/תשפ"ה</a:t>
             </a:fld>
             <a:endParaRPr lang="he-IL"/>
           </a:p>
@@ -2356,7 +2356,7 @@
           <a:p>
             <a:fld id="{021EFE3D-704E-4972-8057-8D0D2BDEDDA6}" type="datetimeFigureOut">
               <a:rPr lang="he-IL" smtClean="0"/>
-              <a:t>כ"ח/תשרי/תשפ"ה</a:t>
+              <a:t>כ"ח/כסלו/תשפ"ה</a:t>
             </a:fld>
             <a:endParaRPr lang="he-IL"/>
           </a:p>
@@ -2569,7 +2569,7 @@
           <a:p>
             <a:fld id="{021EFE3D-704E-4972-8057-8D0D2BDEDDA6}" type="datetimeFigureOut">
               <a:rPr lang="he-IL" smtClean="0"/>
-              <a:t>כ"ח/תשרי/תשפ"ה</a:t>
+              <a:t>כ"ח/כסלו/תשפ"ה</a:t>
             </a:fld>
             <a:endParaRPr lang="he-IL"/>
           </a:p>
@@ -4953,7 +4953,15 @@
             </a:br>
             <a:r>
               <a:rPr lang="he-IL" dirty="0"/>
-              <a:t>הכרטיסים מאפשרים קניה בחנויות הרשומות במאגר. המערכת מנהלת את תהליך מכירת הכרטיסים ומעקב אחריהם</a:t>
+              <a:t>הכרטיסים מאפשרים קניה בחנויות הרשומות במאגר. המערכת מנהלת את תהליך מכירת </a:t>
+            </a:r>
+            <a:r>
+              <a:rPr lang="he-IL"/>
+              <a:t>הכרטיסים,טעינתם </a:t>
+            </a:r>
+            <a:r>
+              <a:rPr lang="he-IL" dirty="0"/>
+              <a:t>ומעקב אחריהם</a:t>
             </a:r>
             <a:br>
               <a:rPr lang="he-IL" dirty="0"/>
